--- a/Redis.pptx
+++ b/Redis.pptx
@@ -7,10 +7,10 @@
     <p:sldMasterId id="2147484196" r:id="rId6"/>
   </p:sldMasterIdLst>
   <p:notesMasterIdLst>
-    <p:notesMasterId r:id="rId25"/>
+    <p:notesMasterId r:id="rId27"/>
   </p:notesMasterIdLst>
   <p:handoutMasterIdLst>
-    <p:handoutMasterId r:id="rId26"/>
+    <p:handoutMasterId r:id="rId28"/>
   </p:handoutMasterIdLst>
   <p:sldIdLst>
     <p:sldId id="829" r:id="rId7"/>
@@ -29,8 +29,10 @@
     <p:sldId id="1113" r:id="rId20"/>
     <p:sldId id="1110" r:id="rId21"/>
     <p:sldId id="1102" r:id="rId22"/>
-    <p:sldId id="1096" r:id="rId23"/>
-    <p:sldId id="1094" r:id="rId24"/>
+    <p:sldId id="1114" r:id="rId23"/>
+    <p:sldId id="1115" r:id="rId24"/>
+    <p:sldId id="1096" r:id="rId25"/>
+    <p:sldId id="1094" r:id="rId26"/>
   </p:sldIdLst>
   <p:sldSz cx="12436475" cy="6994525"/>
   <p:notesSz cx="6858000" cy="9144000"/>
@@ -1032,7 +1034,7 @@
                 </a:solidFill>
               </a:rPr>
               <a:pPr/>
-              <a:t>11/25/2014 3:42 PM</a:t>
+              <a:t>11/25/2014 3:44 PM</a:t>
             </a:fld>
             <a:endParaRPr lang="en-US" dirty="0">
               <a:solidFill>
@@ -1064,7 +1066,7 @@
                 </a:solidFill>
               </a:rPr>
               <a:pPr/>
-              <a:t>18</a:t>
+              <a:t>20</a:t>
             </a:fld>
             <a:endParaRPr lang="en-US" dirty="0">
               <a:solidFill>
@@ -13909,7 +13911,7 @@
         <p:spPr>
           <a:xfrm>
             <a:off x="274638" y="1212850"/>
-            <a:ext cx="11887200" cy="3373231"/>
+            <a:ext cx="11887200" cy="3644075"/>
           </a:xfrm>
         </p:spPr>
         <p:txBody>
@@ -13917,75 +13919,63 @@
           <a:lstStyle/>
           <a:p>
             <a:r>
-              <a:rPr lang="en-US" dirty="0" err="1"/>
-              <a:t>Redis</a:t>
-            </a:r>
-            <a:r>
               <a:rPr lang="en-US" dirty="0"/>
-              <a:t> </a:t>
-            </a:r>
-            <a:r>
-              <a:rPr lang="en-US" dirty="0" err="1"/>
-              <a:t>SessionState</a:t>
-            </a:r>
-            <a:r>
-              <a:rPr lang="en-US" dirty="0"/>
-              <a:t> </a:t>
-            </a:r>
-            <a:r>
-              <a:rPr lang="en-US" dirty="0" smtClean="0"/>
-              <a:t>Provider</a:t>
-            </a:r>
+              <a:t>ASP.NET Session State Provider </a:t>
+            </a:r>
+            <a:endParaRPr lang="en-US" dirty="0" smtClean="0"/>
           </a:p>
           <a:p>
             <a:pPr lvl="1"/>
             <a:r>
-              <a:rPr lang="en-US" dirty="0" smtClean="0"/>
-              <a:t>Uses </a:t>
-            </a:r>
-            <a:r>
-              <a:rPr lang="en-US" dirty="0" err="1" smtClean="0"/>
-              <a:t>StackExchange</a:t>
-            </a:r>
-            <a:r>
-              <a:rPr lang="en-US" dirty="0" smtClean="0"/>
-              <a:t> client internally</a:t>
-            </a:r>
-            <a:endParaRPr lang="en-US" dirty="0"/>
-          </a:p>
-          <a:p>
-            <a:pPr lvl="1"/>
+              <a:rPr lang="en-US" dirty="0" smtClean="0">
+                <a:hlinkClick r:id="rId2"/>
+              </a:rPr>
+              <a:t>http</a:t>
+            </a:r>
             <a:r>
               <a:rPr lang="en-US" dirty="0">
                 <a:hlinkClick r:id="rId2"/>
               </a:rPr>
-              <a:t>http://msdn.microsoft.com/en-us/library/azure/dn690522.aspx</a:t>
+              <a:t>://msdn.microsoft.com/en-us/library/azure/dn690522.aspx</a:t>
             </a:r>
             <a:endParaRPr lang="en-US" dirty="0"/>
           </a:p>
           <a:p>
+            <a:r>
+              <a:rPr lang="en-US" dirty="0" smtClean="0"/>
+              <a:t>ASP.NET </a:t>
+            </a:r>
+            <a:r>
+              <a:rPr lang="en-US" dirty="0"/>
+              <a:t>Output Cache </a:t>
+            </a:r>
+            <a:r>
+              <a:rPr lang="en-US" dirty="0" smtClean="0"/>
+              <a:t>Provider</a:t>
+            </a:r>
+          </a:p>
+          <a:p>
             <a:pPr lvl="1"/>
             <a:r>
-              <a:rPr lang="en-US" dirty="0"/>
-              <a:t>Coming soon one backed by Azure Table Storage</a:t>
-            </a:r>
-          </a:p>
-          <a:p>
-            <a:r>
-              <a:rPr lang="en-US" dirty="0"/>
-              <a:t> </a:t>
-            </a:r>
-            <a:r>
-              <a:rPr lang="en-US" dirty="0" err="1" smtClean="0"/>
-              <a:t>Redis</a:t>
+              <a:rPr lang="en-US" dirty="0" smtClean="0">
+                <a:hlinkClick r:id="rId3"/>
+              </a:rPr>
+              <a:t>http://msdn.microsoft.com/en-us/library/azure/dn798898.aspx</a:t>
             </a:r>
             <a:r>
               <a:rPr lang="en-US" dirty="0" smtClean="0"/>
               <a:t> </a:t>
             </a:r>
+            <a:endParaRPr lang="en-US" dirty="0" smtClean="0"/>
+          </a:p>
+          <a:p>
+            <a:r>
+              <a:rPr lang="en-US" dirty="0" smtClean="0"/>
+              <a:t>As </a:t>
+            </a:r>
             <a:r>
               <a:rPr lang="en-US" dirty="0"/>
-              <a:t>as a black plane for </a:t>
+              <a:t>a black plane for </a:t>
             </a:r>
             <a:r>
               <a:rPr lang="en-US" dirty="0" err="1"/>
@@ -13997,7 +13987,7 @@
             <a:pPr lvl="1"/>
             <a:r>
               <a:rPr lang="en-US" dirty="0">
-                <a:hlinkClick r:id="rId3"/>
+                <a:hlinkClick r:id="rId4"/>
               </a:rPr>
               <a:t>http://www.asp.net/signalr/overview/signalr-20/performance-and-scaling/scaleout-with-redis</a:t>
             </a:r>
@@ -14299,84 +14289,6 @@
       </p:grpSpPr>
       <p:sp>
         <p:nvSpPr>
-          <p:cNvPr id="2" name="Text Placeholder 1"/>
-          <p:cNvSpPr>
-            <a:spLocks noGrp="1"/>
-          </p:cNvSpPr>
-          <p:nvPr>
-            <p:ph type="body" sz="quarter" idx="10"/>
-          </p:nvPr>
-        </p:nvSpPr>
-        <p:spPr>
-          <a:xfrm>
-            <a:off x="274638" y="1212850"/>
-            <a:ext cx="11887200" cy="3717941"/>
-          </a:xfrm>
-        </p:spPr>
-        <p:txBody>
-          <a:bodyPr/>
-          <a:lstStyle/>
-          <a:p>
-            <a:r>
-              <a:rPr lang="en-US" dirty="0"/>
-              <a:t>Rate My Talk &amp; Download Slides + Code!</a:t>
-            </a:r>
-          </a:p>
-          <a:p>
-            <a:pPr lvl="1"/>
-            <a:r>
-              <a:rPr lang="en-US" dirty="0"/>
-              <a:t>http://tinyurl.com/RateShawn </a:t>
-            </a:r>
-          </a:p>
-          <a:p>
-            <a:r>
-              <a:rPr lang="en-US" dirty="0" smtClean="0"/>
-              <a:t>Contact </a:t>
-            </a:r>
-            <a:r>
-              <a:rPr lang="en-US" dirty="0"/>
-              <a:t>Information</a:t>
-            </a:r>
-          </a:p>
-          <a:p>
-            <a:pPr lvl="1"/>
-            <a:r>
-              <a:rPr lang="en-US" dirty="0" smtClean="0"/>
-              <a:t>Email: shawn@shawnweisfeld.com</a:t>
-            </a:r>
-            <a:endParaRPr lang="en-US" dirty="0"/>
-          </a:p>
-          <a:p>
-            <a:pPr lvl="1"/>
-            <a:r>
-              <a:rPr lang="en-US" dirty="0" smtClean="0"/>
-              <a:t>Blog: http</a:t>
-            </a:r>
-            <a:r>
-              <a:rPr lang="en-US" dirty="0"/>
-              <a:t>://www.shawnweisfeld.com</a:t>
-            </a:r>
-          </a:p>
-          <a:p>
-            <a:pPr lvl="1"/>
-            <a:r>
-              <a:rPr lang="en-US" dirty="0" smtClean="0"/>
-              <a:t>Twitter: @</a:t>
-            </a:r>
-            <a:r>
-              <a:rPr lang="en-US" dirty="0" err="1" smtClean="0"/>
-              <a:t>shawnweisfeld</a:t>
-            </a:r>
-            <a:endParaRPr lang="en-US" dirty="0"/>
-          </a:p>
-          <a:p>
-            <a:endParaRPr lang="en-US" dirty="0"/>
-          </a:p>
-        </p:txBody>
-      </p:sp>
-      <p:sp>
-        <p:nvSpPr>
           <p:cNvPr id="3" name="Title 2"/>
           <p:cNvSpPr>
             <a:spLocks noGrp="1"/>
@@ -14392,16 +14304,74 @@
           <a:p>
             <a:r>
               <a:rPr lang="en-US" dirty="0" smtClean="0"/>
-              <a:t>Thank you! Your Feedback is Important</a:t>
+              <a:t>Cache aside design pattern</a:t>
             </a:r>
             <a:endParaRPr lang="en-US" dirty="0"/>
           </a:p>
         </p:txBody>
       </p:sp>
+      <p:sp>
+        <p:nvSpPr>
+          <p:cNvPr id="4" name="Rectangle 3"/>
+          <p:cNvSpPr/>
+          <p:nvPr/>
+        </p:nvSpPr>
+        <p:spPr>
+          <a:xfrm>
+            <a:off x="122237" y="6469062"/>
+            <a:ext cx="5904373" cy="369332"/>
+          </a:xfrm>
+          <a:prstGeom prst="rect">
+            <a:avLst/>
+          </a:prstGeom>
+        </p:spPr>
+        <p:txBody>
+          <a:bodyPr wrap="none">
+            <a:spAutoFit/>
+          </a:bodyPr>
+          <a:lstStyle/>
+          <a:p>
+            <a:r>
+              <a:rPr lang="en-US" dirty="0"/>
+              <a:t>http://msdn.microsoft.com/en-us/library/dn589799.aspx</a:t>
+            </a:r>
+          </a:p>
+        </p:txBody>
+      </p:sp>
+      <p:pic>
+        <p:nvPicPr>
+          <p:cNvPr id="5" name="Picture 4"/>
+          <p:cNvPicPr>
+            <a:picLocks noChangeAspect="1"/>
+          </p:cNvPicPr>
+          <p:nvPr/>
+        </p:nvPicPr>
+        <p:blipFill>
+          <a:blip r:embed="rId2">
+            <a:extLst>
+              <a:ext uri="{28A0092B-C50C-407E-A947-70E740481C1C}">
+                <a14:useLocalDpi xmlns:a14="http://schemas.microsoft.com/office/drawing/2010/main" val="0"/>
+              </a:ext>
+            </a:extLst>
+          </a:blip>
+          <a:stretch>
+            <a:fillRect/>
+          </a:stretch>
+        </p:blipFill>
+        <p:spPr>
+          <a:xfrm>
+            <a:off x="4142971" y="1363662"/>
+            <a:ext cx="4152900" cy="4810443"/>
+          </a:xfrm>
+          <a:prstGeom prst="rect">
+            <a:avLst/>
+          </a:prstGeom>
+        </p:spPr>
+      </p:pic>
     </p:spTree>
     <p:extLst>
       <p:ext uri="{BB962C8B-B14F-4D97-AF65-F5344CB8AC3E}">
-        <p14:creationId xmlns:p14="http://schemas.microsoft.com/office/powerpoint/2010/main" val="3494120760"/>
+        <p14:creationId xmlns:p14="http://schemas.microsoft.com/office/powerpoint/2010/main" val="2303723659"/>
       </p:ext>
     </p:extLst>
   </p:cSld>
@@ -14411,13 +14381,6 @@
   <p:transition>
     <p:fade/>
   </p:transition>
-  <p:timing>
-    <p:tnLst>
-      <p:par>
-        <p:cTn id="1" dur="indefinite" restart="never" nodeType="tmRoot"/>
-      </p:par>
-    </p:tnLst>
-  </p:timing>
 </p:sld>
 </file>
 
@@ -14438,159 +14401,229 @@
           <a:chExt cx="0" cy="0"/>
         </a:xfrm>
       </p:grpSpPr>
-      <p:pic>
-        <p:nvPicPr>
-          <p:cNvPr id="4" name="Picture 3"/>
-          <p:cNvPicPr>
-            <a:picLocks noChangeAspect="1"/>
-          </p:cNvPicPr>
-          <p:nvPr/>
-        </p:nvPicPr>
-        <p:blipFill>
-          <a:blip r:embed="rId3">
-            <a:extLst>
-              <a:ext uri="{28A0092B-C50C-407E-A947-70E740481C1C}">
-                <a14:useLocalDpi xmlns:a14="http://schemas.microsoft.com/office/drawing/2010/main" val="0"/>
-              </a:ext>
-            </a:extLst>
-          </a:blip>
-          <a:stretch>
-            <a:fillRect/>
-          </a:stretch>
-        </p:blipFill>
-        <p:spPr bwMode="invGray">
-          <a:xfrm>
-            <a:off x="459230" y="3145040"/>
-            <a:ext cx="3288506" cy="704445"/>
-          </a:xfrm>
-          <a:prstGeom prst="rect">
-            <a:avLst/>
-          </a:prstGeom>
-        </p:spPr>
-      </p:pic>
       <p:sp>
         <p:nvSpPr>
-          <p:cNvPr id="5" name="Text Box 3"/>
-          <p:cNvSpPr txBox="1">
-            <a:spLocks noChangeArrowheads="1"/>
+          <p:cNvPr id="2" name="Text Placeholder 1"/>
+          <p:cNvSpPr>
+            <a:spLocks noGrp="1"/>
           </p:cNvSpPr>
-          <p:nvPr/>
+          <p:nvPr>
+            <p:ph type="body" sz="quarter" idx="10"/>
+          </p:nvPr>
         </p:nvSpPr>
-        <p:spPr bwMode="blackWhite">
+        <p:spPr>
           <a:xfrm>
-            <a:off x="273051" y="6079032"/>
-            <a:ext cx="10974388" cy="618631"/>
+            <a:off x="274638" y="1212850"/>
+            <a:ext cx="11887200" cy="2511457"/>
           </a:xfrm>
-          <a:prstGeom prst="rect">
-            <a:avLst/>
-          </a:prstGeom>
         </p:spPr>
         <p:txBody>
-          <a:bodyPr vert="horz" wrap="square" lIns="182880" tIns="146304" rIns="182880" bIns="146304" numCol="1" anchor="t" anchorCtr="0" compatLnSpc="1">
-            <a:prstTxWarp prst="textNoShape">
-              <a:avLst/>
-            </a:prstTxWarp>
-            <a:spAutoFit/>
-          </a:bodyPr>
+          <a:bodyPr/>
           <a:lstStyle/>
           <a:p>
-            <a:pPr defTabSz="932290" eaLnBrk="0" hangingPunct="0"/>
-            <a:r>
-              <a:rPr lang="en-US" sz="700" dirty="0">
-                <a:gradFill>
-                  <a:gsLst>
-                    <a:gs pos="0">
-                      <a:schemeClr val="tx1"/>
-                    </a:gs>
-                    <a:gs pos="100000">
-                      <a:schemeClr val="tx1"/>
-                    </a:gs>
-                  </a:gsLst>
-                  <a:lin ang="5400000" scaled="0"/>
-                </a:gradFill>
-                <a:cs typeface="Segoe UI" pitchFamily="34" charset="0"/>
-              </a:rPr>
-              <a:t>© </a:t>
-            </a:r>
-            <a:r>
-              <a:rPr lang="en-US" sz="700" dirty="0" smtClean="0">
-                <a:gradFill>
-                  <a:gsLst>
-                    <a:gs pos="0">
-                      <a:schemeClr val="tx1"/>
-                    </a:gs>
-                    <a:gs pos="100000">
-                      <a:schemeClr val="tx1"/>
-                    </a:gs>
-                  </a:gsLst>
-                  <a:lin ang="5400000" scaled="0"/>
-                </a:gradFill>
-                <a:cs typeface="Segoe UI" pitchFamily="34" charset="0"/>
-              </a:rPr>
-              <a:t>2014 </a:t>
-            </a:r>
-            <a:r>
-              <a:rPr lang="en-US" sz="700" dirty="0">
-                <a:gradFill>
-                  <a:gsLst>
-                    <a:gs pos="0">
-                      <a:schemeClr val="tx1"/>
-                    </a:gs>
-                    <a:gs pos="100000">
-                      <a:schemeClr val="tx1"/>
-                    </a:gs>
-                  </a:gsLst>
-                  <a:lin ang="5400000" scaled="0"/>
-                </a:gradFill>
-                <a:cs typeface="Segoe UI" pitchFamily="34" charset="0"/>
-              </a:rPr>
-              <a:t>Microsoft Corporation. All rights reserved. Microsoft, Windows, Windows Vista and other product names are or may be registered trademarks and/or trademarks in the U.S. and/or other countries.</a:t>
-            </a:r>
-          </a:p>
-          <a:p>
-            <a:pPr defTabSz="932290" eaLnBrk="0" hangingPunct="0"/>
-            <a:r>
-              <a:rPr lang="en-US" sz="700" dirty="0">
-                <a:gradFill>
-                  <a:gsLst>
-                    <a:gs pos="0">
-                      <a:schemeClr val="tx1"/>
-                    </a:gs>
-                    <a:gs pos="100000">
-                      <a:schemeClr val="tx1"/>
-                    </a:gs>
-                  </a:gsLst>
-                  <a:lin ang="5400000" scaled="0"/>
-                </a:gradFill>
-                <a:cs typeface="Segoe UI" pitchFamily="34" charset="0"/>
-              </a:rPr>
-              <a:t>The information herein is for informational purposes only and represents the current view of Microsoft Corporation as of the date of this presentation.  Because Microsoft must respond to changing market conditions, it should not be interpreted to be a commitment on the part of Microsoft, and Microsoft cannot guarantee the accuracy of any information provided after the date of this presentation.  MICROSOFT MAKES NO WARRANTIES, EXPRESS, IMPLIED OR STATUTORY, AS TO THE INFORMATION IN THIS PRESENTATION.</a:t>
-            </a:r>
+            <a:r>
+              <a:rPr lang="en-US" dirty="0" smtClean="0"/>
+              <a:t>Using another process read from the long term store and update the cache. </a:t>
+            </a:r>
+          </a:p>
+          <a:p>
+            <a:pPr lvl="1"/>
+            <a:r>
+              <a:rPr lang="en-US" dirty="0" smtClean="0"/>
+              <a:t>Reduce/Eliminate Cache Misses</a:t>
+            </a:r>
+          </a:p>
+          <a:p>
+            <a:pPr lvl="1"/>
+            <a:r>
+              <a:rPr lang="en-US" dirty="0" smtClean="0"/>
+              <a:t>Be safe still use Cache aside</a:t>
+            </a:r>
+          </a:p>
+          <a:p>
+            <a:pPr lvl="1"/>
+            <a:endParaRPr lang="en-US" dirty="0"/>
+          </a:p>
+        </p:txBody>
+      </p:sp>
+      <p:sp>
+        <p:nvSpPr>
+          <p:cNvPr id="3" name="Title 2"/>
+          <p:cNvSpPr>
+            <a:spLocks noGrp="1"/>
+          </p:cNvSpPr>
+          <p:nvPr>
+            <p:ph type="title"/>
+          </p:nvPr>
+        </p:nvSpPr>
+        <p:spPr/>
+        <p:txBody>
+          <a:bodyPr/>
+          <a:lstStyle/>
+          <a:p>
+            <a:r>
+              <a:rPr lang="en-US" dirty="0" smtClean="0"/>
+              <a:t>Tip: Use </a:t>
+            </a:r>
+            <a:r>
+              <a:rPr lang="en-US" dirty="0" err="1" smtClean="0"/>
+              <a:t>WebJobs</a:t>
+            </a:r>
+            <a:r>
+              <a:rPr lang="en-US" dirty="0" smtClean="0"/>
+              <a:t> or a Worker Role</a:t>
+            </a:r>
+            <a:endParaRPr lang="en-US" dirty="0"/>
           </a:p>
         </p:txBody>
       </p:sp>
     </p:spTree>
     <p:extLst>
       <p:ext uri="{BB962C8B-B14F-4D97-AF65-F5344CB8AC3E}">
-        <p14:creationId xmlns:p14="http://schemas.microsoft.com/office/powerpoint/2010/main" val="2972243654"/>
+        <p14:creationId xmlns:p14="http://schemas.microsoft.com/office/powerpoint/2010/main" val="3407221932"/>
       </p:ext>
     </p:extLst>
   </p:cSld>
   <p:clrMapOvr>
     <a:masterClrMapping/>
   </p:clrMapOvr>
-  <mc:AlternateContent xmlns:mc="http://schemas.openxmlformats.org/markup-compatibility/2006" xmlns:p14="http://schemas.microsoft.com/office/powerpoint/2010/main">
-    <mc:Choice Requires="p14">
-      <p:transition spd="med" p14:dur="700">
-        <p:fade/>
-      </p:transition>
-    </mc:Choice>
-    <mc:Fallback xmlns="">
-      <p:transition spd="med">
-        <p:fade/>
-      </p:transition>
-    </mc:Fallback>
-  </mc:AlternateContent>
+  <p:transition>
+    <p:fade/>
+  </p:transition>
+</p:sld>
+</file>
+
+<file path=ppt/slides/slide19.xml><?xml version="1.0" encoding="utf-8"?>
+<p:sld xmlns:a="http://schemas.openxmlformats.org/drawingml/2006/main" xmlns:r="http://schemas.openxmlformats.org/officeDocument/2006/relationships" xmlns:p="http://schemas.openxmlformats.org/presentationml/2006/main">
+  <p:cSld>
+    <p:spTree>
+      <p:nvGrpSpPr>
+        <p:cNvPr id="1" name=""/>
+        <p:cNvGrpSpPr/>
+        <p:nvPr/>
+      </p:nvGrpSpPr>
+      <p:grpSpPr>
+        <a:xfrm>
+          <a:off x="0" y="0"/>
+          <a:ext cx="0" cy="0"/>
+          <a:chOff x="0" y="0"/>
+          <a:chExt cx="0" cy="0"/>
+        </a:xfrm>
+      </p:grpSpPr>
+      <p:sp>
+        <p:nvSpPr>
+          <p:cNvPr id="2" name="Text Placeholder 1"/>
+          <p:cNvSpPr>
+            <a:spLocks noGrp="1"/>
+          </p:cNvSpPr>
+          <p:nvPr>
+            <p:ph type="body" sz="quarter" idx="10"/>
+          </p:nvPr>
+        </p:nvSpPr>
+        <p:spPr>
+          <a:xfrm>
+            <a:off x="274638" y="1212850"/>
+            <a:ext cx="11887200" cy="3717941"/>
+          </a:xfrm>
+        </p:spPr>
+        <p:txBody>
+          <a:bodyPr/>
+          <a:lstStyle/>
+          <a:p>
+            <a:r>
+              <a:rPr lang="en-US" dirty="0"/>
+              <a:t>Rate My Talk &amp; Download Slides + Code!</a:t>
+            </a:r>
+          </a:p>
+          <a:p>
+            <a:pPr lvl="1"/>
+            <a:r>
+              <a:rPr lang="en-US" dirty="0"/>
+              <a:t>http://tinyurl.com/RateShawn </a:t>
+            </a:r>
+          </a:p>
+          <a:p>
+            <a:r>
+              <a:rPr lang="en-US" dirty="0" smtClean="0"/>
+              <a:t>Contact </a:t>
+            </a:r>
+            <a:r>
+              <a:rPr lang="en-US" dirty="0"/>
+              <a:t>Information</a:t>
+            </a:r>
+          </a:p>
+          <a:p>
+            <a:pPr lvl="1"/>
+            <a:r>
+              <a:rPr lang="en-US" dirty="0" smtClean="0"/>
+              <a:t>Email: shawn@shawnweisfeld.com</a:t>
+            </a:r>
+            <a:endParaRPr lang="en-US" dirty="0"/>
+          </a:p>
+          <a:p>
+            <a:pPr lvl="1"/>
+            <a:r>
+              <a:rPr lang="en-US" dirty="0" smtClean="0"/>
+              <a:t>Blog: http</a:t>
+            </a:r>
+            <a:r>
+              <a:rPr lang="en-US" dirty="0"/>
+              <a:t>://www.shawnweisfeld.com</a:t>
+            </a:r>
+          </a:p>
+          <a:p>
+            <a:pPr lvl="1"/>
+            <a:r>
+              <a:rPr lang="en-US" dirty="0" smtClean="0"/>
+              <a:t>Twitter: @</a:t>
+            </a:r>
+            <a:r>
+              <a:rPr lang="en-US" dirty="0" err="1" smtClean="0"/>
+              <a:t>shawnweisfeld</a:t>
+            </a:r>
+            <a:endParaRPr lang="en-US" dirty="0"/>
+          </a:p>
+          <a:p>
+            <a:endParaRPr lang="en-US" dirty="0"/>
+          </a:p>
+        </p:txBody>
+      </p:sp>
+      <p:sp>
+        <p:nvSpPr>
+          <p:cNvPr id="3" name="Title 2"/>
+          <p:cNvSpPr>
+            <a:spLocks noGrp="1"/>
+          </p:cNvSpPr>
+          <p:nvPr>
+            <p:ph type="title"/>
+          </p:nvPr>
+        </p:nvSpPr>
+        <p:spPr/>
+        <p:txBody>
+          <a:bodyPr/>
+          <a:lstStyle/>
+          <a:p>
+            <a:r>
+              <a:rPr lang="en-US" dirty="0" smtClean="0"/>
+              <a:t>Thank you! Your Feedback is Important</a:t>
+            </a:r>
+            <a:endParaRPr lang="en-US" dirty="0"/>
+          </a:p>
+        </p:txBody>
+      </p:sp>
+    </p:spTree>
+    <p:extLst>
+      <p:ext uri="{BB962C8B-B14F-4D97-AF65-F5344CB8AC3E}">
+        <p14:creationId xmlns:p14="http://schemas.microsoft.com/office/powerpoint/2010/main" val="3494120760"/>
+      </p:ext>
+    </p:extLst>
+  </p:cSld>
+  <p:clrMapOvr>
+    <a:masterClrMapping/>
+  </p:clrMapOvr>
+  <p:transition>
+    <p:fade/>
+  </p:transition>
   <p:timing>
     <p:tnLst>
       <p:par>
@@ -14982,6 +15015,186 @@
 </p:sld>
 </file>
 
+<file path=ppt/slides/slide20.xml><?xml version="1.0" encoding="utf-8"?>
+<p:sld xmlns:a="http://schemas.openxmlformats.org/drawingml/2006/main" xmlns:r="http://schemas.openxmlformats.org/officeDocument/2006/relationships" xmlns:p="http://schemas.openxmlformats.org/presentationml/2006/main">
+  <p:cSld>
+    <p:spTree>
+      <p:nvGrpSpPr>
+        <p:cNvPr id="1" name=""/>
+        <p:cNvGrpSpPr/>
+        <p:nvPr/>
+      </p:nvGrpSpPr>
+      <p:grpSpPr>
+        <a:xfrm>
+          <a:off x="0" y="0"/>
+          <a:ext cx="0" cy="0"/>
+          <a:chOff x="0" y="0"/>
+          <a:chExt cx="0" cy="0"/>
+        </a:xfrm>
+      </p:grpSpPr>
+      <p:pic>
+        <p:nvPicPr>
+          <p:cNvPr id="4" name="Picture 3"/>
+          <p:cNvPicPr>
+            <a:picLocks noChangeAspect="1"/>
+          </p:cNvPicPr>
+          <p:nvPr/>
+        </p:nvPicPr>
+        <p:blipFill>
+          <a:blip r:embed="rId3">
+            <a:extLst>
+              <a:ext uri="{28A0092B-C50C-407E-A947-70E740481C1C}">
+                <a14:useLocalDpi xmlns:a14="http://schemas.microsoft.com/office/drawing/2010/main" val="0"/>
+              </a:ext>
+            </a:extLst>
+          </a:blip>
+          <a:stretch>
+            <a:fillRect/>
+          </a:stretch>
+        </p:blipFill>
+        <p:spPr bwMode="invGray">
+          <a:xfrm>
+            <a:off x="459230" y="3145040"/>
+            <a:ext cx="3288506" cy="704445"/>
+          </a:xfrm>
+          <a:prstGeom prst="rect">
+            <a:avLst/>
+          </a:prstGeom>
+        </p:spPr>
+      </p:pic>
+      <p:sp>
+        <p:nvSpPr>
+          <p:cNvPr id="5" name="Text Box 3"/>
+          <p:cNvSpPr txBox="1">
+            <a:spLocks noChangeArrowheads="1"/>
+          </p:cNvSpPr>
+          <p:nvPr/>
+        </p:nvSpPr>
+        <p:spPr bwMode="blackWhite">
+          <a:xfrm>
+            <a:off x="273051" y="6079032"/>
+            <a:ext cx="10974388" cy="618631"/>
+          </a:xfrm>
+          <a:prstGeom prst="rect">
+            <a:avLst/>
+          </a:prstGeom>
+        </p:spPr>
+        <p:txBody>
+          <a:bodyPr vert="horz" wrap="square" lIns="182880" tIns="146304" rIns="182880" bIns="146304" numCol="1" anchor="t" anchorCtr="0" compatLnSpc="1">
+            <a:prstTxWarp prst="textNoShape">
+              <a:avLst/>
+            </a:prstTxWarp>
+            <a:spAutoFit/>
+          </a:bodyPr>
+          <a:lstStyle/>
+          <a:p>
+            <a:pPr defTabSz="932290" eaLnBrk="0" hangingPunct="0"/>
+            <a:r>
+              <a:rPr lang="en-US" sz="700" dirty="0">
+                <a:gradFill>
+                  <a:gsLst>
+                    <a:gs pos="0">
+                      <a:schemeClr val="tx1"/>
+                    </a:gs>
+                    <a:gs pos="100000">
+                      <a:schemeClr val="tx1"/>
+                    </a:gs>
+                  </a:gsLst>
+                  <a:lin ang="5400000" scaled="0"/>
+                </a:gradFill>
+                <a:cs typeface="Segoe UI" pitchFamily="34" charset="0"/>
+              </a:rPr>
+              <a:t>© </a:t>
+            </a:r>
+            <a:r>
+              <a:rPr lang="en-US" sz="700" dirty="0" smtClean="0">
+                <a:gradFill>
+                  <a:gsLst>
+                    <a:gs pos="0">
+                      <a:schemeClr val="tx1"/>
+                    </a:gs>
+                    <a:gs pos="100000">
+                      <a:schemeClr val="tx1"/>
+                    </a:gs>
+                  </a:gsLst>
+                  <a:lin ang="5400000" scaled="0"/>
+                </a:gradFill>
+                <a:cs typeface="Segoe UI" pitchFamily="34" charset="0"/>
+              </a:rPr>
+              <a:t>2014 </a:t>
+            </a:r>
+            <a:r>
+              <a:rPr lang="en-US" sz="700" dirty="0">
+                <a:gradFill>
+                  <a:gsLst>
+                    <a:gs pos="0">
+                      <a:schemeClr val="tx1"/>
+                    </a:gs>
+                    <a:gs pos="100000">
+                      <a:schemeClr val="tx1"/>
+                    </a:gs>
+                  </a:gsLst>
+                  <a:lin ang="5400000" scaled="0"/>
+                </a:gradFill>
+                <a:cs typeface="Segoe UI" pitchFamily="34" charset="0"/>
+              </a:rPr>
+              <a:t>Microsoft Corporation. All rights reserved. Microsoft, Windows, Windows Vista and other product names are or may be registered trademarks and/or trademarks in the U.S. and/or other countries.</a:t>
+            </a:r>
+          </a:p>
+          <a:p>
+            <a:pPr defTabSz="932290" eaLnBrk="0" hangingPunct="0"/>
+            <a:r>
+              <a:rPr lang="en-US" sz="700" dirty="0">
+                <a:gradFill>
+                  <a:gsLst>
+                    <a:gs pos="0">
+                      <a:schemeClr val="tx1"/>
+                    </a:gs>
+                    <a:gs pos="100000">
+                      <a:schemeClr val="tx1"/>
+                    </a:gs>
+                  </a:gsLst>
+                  <a:lin ang="5400000" scaled="0"/>
+                </a:gradFill>
+                <a:cs typeface="Segoe UI" pitchFamily="34" charset="0"/>
+              </a:rPr>
+              <a:t>The information herein is for informational purposes only and represents the current view of Microsoft Corporation as of the date of this presentation.  Because Microsoft must respond to changing market conditions, it should not be interpreted to be a commitment on the part of Microsoft, and Microsoft cannot guarantee the accuracy of any information provided after the date of this presentation.  MICROSOFT MAKES NO WARRANTIES, EXPRESS, IMPLIED OR STATUTORY, AS TO THE INFORMATION IN THIS PRESENTATION.</a:t>
+            </a:r>
+          </a:p>
+        </p:txBody>
+      </p:sp>
+    </p:spTree>
+    <p:extLst>
+      <p:ext uri="{BB962C8B-B14F-4D97-AF65-F5344CB8AC3E}">
+        <p14:creationId xmlns:p14="http://schemas.microsoft.com/office/powerpoint/2010/main" val="2972243654"/>
+      </p:ext>
+    </p:extLst>
+  </p:cSld>
+  <p:clrMapOvr>
+    <a:masterClrMapping/>
+  </p:clrMapOvr>
+  <mc:AlternateContent xmlns:mc="http://schemas.openxmlformats.org/markup-compatibility/2006" xmlns:p14="http://schemas.microsoft.com/office/powerpoint/2010/main">
+    <mc:Choice Requires="p14">
+      <p:transition spd="med" p14:dur="700">
+        <p:fade/>
+      </p:transition>
+    </mc:Choice>
+    <mc:Fallback xmlns="">
+      <p:transition spd="med">
+        <p:fade/>
+      </p:transition>
+    </mc:Fallback>
+  </mc:AlternateContent>
+  <p:timing>
+    <p:tnLst>
+      <p:par>
+        <p:cTn id="1" dur="indefinite" restart="never" nodeType="tmRoot"/>
+      </p:par>
+    </p:tnLst>
+  </p:timing>
+</p:sld>
+</file>
+
 <file path=ppt/slides/slide3.xml><?xml version="1.0" encoding="utf-8"?>
 <p:sld xmlns:a="http://schemas.openxmlformats.org/drawingml/2006/main" xmlns:r="http://schemas.openxmlformats.org/officeDocument/2006/relationships" xmlns:p="http://schemas.openxmlformats.org/presentationml/2006/main">
   <p:cSld>
@@ -15649,8 +15862,8 @@
               <a:t>http</a:t>
             </a:r>
             <a:r>
-              <a:rPr lang="en-US" smtClean="0"/>
-              <a:t>://AustinSmackdown.AzureWebsites.net</a:t>
+              <a:rPr lang="en-US" dirty="0" smtClean="0"/>
+              <a:t>://DallasSmackdown.azurewebsites.net</a:t>
             </a:r>
             <a:endParaRPr lang="en-US" dirty="0" smtClean="0"/>
           </a:p>
@@ -18024,6 +18237,21 @@
 </file>
 
 <file path=customXml/item1.xml><?xml version="1.0" encoding="utf-8"?>
+<?mso-contentType ?>
+<FormTemplates xmlns="http://schemas.microsoft.com/sharepoint/v3/contenttype/forms">
+  <Display>DocumentLibraryForm</Display>
+  <Edit>DocumentLibraryForm</Edit>
+  <New>DocumentLibraryForm</New>
+</FormTemplates>
+</file>
+
+<file path=customXml/item2.xml><?xml version="1.0" encoding="utf-8"?>
+<p:properties xmlns:p="http://schemas.microsoft.com/office/2006/metadata/properties" xmlns:xsi="http://www.w3.org/2001/XMLSchema-instance" xmlns:pc="http://schemas.microsoft.com/office/infopath/2007/PartnerControls">
+  <documentManagement/>
+</p:properties>
+</file>
+
+<file path=customXml/item3.xml><?xml version="1.0" encoding="utf-8"?>
 <ct:contentTypeSchema xmlns:ct="http://schemas.microsoft.com/office/2006/metadata/contentType" xmlns:ma="http://schemas.microsoft.com/office/2006/metadata/properties/metaAttributes" ct:_="" ma:_="" ma:contentTypeName="Document" ma:contentTypeID="0x0101000C049DA7A73EE242829E58F5D11C9B89" ma:contentTypeVersion="1" ma:contentTypeDescription="Create a new document." ma:contentTypeScope="" ma:versionID="f852d6fc607bed850fe4acc5f09870c6">
   <xsd:schema xmlns:xsd="http://www.w3.org/2001/XMLSchema" xmlns:xs="http://www.w3.org/2001/XMLSchema" xmlns:p="http://schemas.microsoft.com/office/2006/metadata/properties" xmlns:ns3="ecfee87f-bec7-4f31-8aee-ff5312e7eacf" targetNamespace="http://schemas.microsoft.com/office/2006/metadata/properties" ma:root="true" ma:fieldsID="e65437c189d7469ff474ec03e241c9af" ns3:_="">
     <xsd:import namespace="ecfee87f-bec7-4f31-8aee-ff5312e7eacf"/>
@@ -18163,35 +18391,10 @@
 </ct:contentTypeSchema>
 </file>
 
-<file path=customXml/item2.xml><?xml version="1.0" encoding="utf-8"?>
-<p:properties xmlns:p="http://schemas.microsoft.com/office/2006/metadata/properties" xmlns:xsi="http://www.w3.org/2001/XMLSchema-instance" xmlns:pc="http://schemas.microsoft.com/office/infopath/2007/PartnerControls">
-  <documentManagement/>
-</p:properties>
-</file>
-
-<file path=customXml/item3.xml><?xml version="1.0" encoding="utf-8"?>
-<?mso-contentType ?>
-<FormTemplates xmlns="http://schemas.microsoft.com/sharepoint/v3/contenttype/forms">
-  <Display>DocumentLibraryForm</Display>
-  <Edit>DocumentLibraryForm</Edit>
-  <New>DocumentLibraryForm</New>
-</FormTemplates>
-</file>
-
 <file path=customXml/itemProps1.xml><?xml version="1.0" encoding="utf-8"?>
-<ds:datastoreItem xmlns:ds="http://schemas.openxmlformats.org/officeDocument/2006/customXml" ds:itemID="{7C8A941E-1B3D-4164-9DD8-AFD369229724}">
+<ds:datastoreItem xmlns:ds="http://schemas.openxmlformats.org/officeDocument/2006/customXml" ds:itemID="{758FDAC0-319D-4A54-8D8E-1D42CB1F8004}">
   <ds:schemaRefs>
-    <ds:schemaRef ds:uri="http://schemas.microsoft.com/office/2006/metadata/contentType"/>
-    <ds:schemaRef ds:uri="http://schemas.microsoft.com/office/2006/metadata/properties/metaAttributes"/>
-    <ds:schemaRef ds:uri="http://www.w3.org/2001/XMLSchema"/>
-    <ds:schemaRef ds:uri="http://schemas.microsoft.com/office/2006/metadata/properties"/>
-    <ds:schemaRef ds:uri="ecfee87f-bec7-4f31-8aee-ff5312e7eacf"/>
-    <ds:schemaRef ds:uri="http://schemas.microsoft.com/office/2006/documentManagement/types"/>
-    <ds:schemaRef ds:uri="http://schemas.microsoft.com/office/infopath/2007/PartnerControls"/>
-    <ds:schemaRef ds:uri="http://schemas.openxmlformats.org/package/2006/metadata/core-properties"/>
-    <ds:schemaRef ds:uri="http://purl.org/dc/elements/1.1/"/>
-    <ds:schemaRef ds:uri="http://purl.org/dc/terms/"/>
-    <ds:schemaRef ds:uri="http://schemas.microsoft.com/internal/obd"/>
+    <ds:schemaRef ds:uri="http://schemas.microsoft.com/sharepoint/v3/contenttype/forms"/>
   </ds:schemaRefs>
 </ds:datastoreItem>
 </file>
@@ -18213,9 +18416,19 @@
 </file>
 
 <file path=customXml/itemProps3.xml><?xml version="1.0" encoding="utf-8"?>
-<ds:datastoreItem xmlns:ds="http://schemas.openxmlformats.org/officeDocument/2006/customXml" ds:itemID="{758FDAC0-319D-4A54-8D8E-1D42CB1F8004}">
+<ds:datastoreItem xmlns:ds="http://schemas.openxmlformats.org/officeDocument/2006/customXml" ds:itemID="{7C8A941E-1B3D-4164-9DD8-AFD369229724}">
   <ds:schemaRefs>
-    <ds:schemaRef ds:uri="http://schemas.microsoft.com/sharepoint/v3/contenttype/forms"/>
+    <ds:schemaRef ds:uri="http://schemas.microsoft.com/office/2006/metadata/contentType"/>
+    <ds:schemaRef ds:uri="http://schemas.microsoft.com/office/2006/metadata/properties/metaAttributes"/>
+    <ds:schemaRef ds:uri="http://www.w3.org/2001/XMLSchema"/>
+    <ds:schemaRef ds:uri="http://schemas.microsoft.com/office/2006/metadata/properties"/>
+    <ds:schemaRef ds:uri="ecfee87f-bec7-4f31-8aee-ff5312e7eacf"/>
+    <ds:schemaRef ds:uri="http://schemas.microsoft.com/office/2006/documentManagement/types"/>
+    <ds:schemaRef ds:uri="http://schemas.microsoft.com/office/infopath/2007/PartnerControls"/>
+    <ds:schemaRef ds:uri="http://schemas.openxmlformats.org/package/2006/metadata/core-properties"/>
+    <ds:schemaRef ds:uri="http://purl.org/dc/elements/1.1/"/>
+    <ds:schemaRef ds:uri="http://purl.org/dc/terms/"/>
+    <ds:schemaRef ds:uri="http://schemas.microsoft.com/internal/obd"/>
   </ds:schemaRefs>
 </ds:datastoreItem>
 </file>